--- a/Documentatie/Arne/The Deep Sea.pptx
+++ b/Documentatie/Arne/The Deep Sea.pptx
@@ -9,9 +9,13 @@
     <p:sldId id="257" r:id="rId3"/>
     <p:sldId id="259" r:id="rId4"/>
     <p:sldId id="260" r:id="rId5"/>
-    <p:sldId id="263" r:id="rId6"/>
-    <p:sldId id="261" r:id="rId7"/>
-    <p:sldId id="262" r:id="rId8"/>
+    <p:sldId id="264" r:id="rId6"/>
+    <p:sldId id="267" r:id="rId7"/>
+    <p:sldId id="263" r:id="rId8"/>
+    <p:sldId id="265" r:id="rId9"/>
+    <p:sldId id="266" r:id="rId10"/>
+    <p:sldId id="261" r:id="rId11"/>
+    <p:sldId id="262" r:id="rId12"/>
   </p:sldIdLst>
   <p:sldSz cx="12192000" cy="6858000"/>
   <p:notesSz cx="6858000" cy="9144000"/>
@@ -267,7 +271,7 @@
           <a:p>
             <a:fld id="{04EBAE34-6F42-4F8C-9574-2189B767E9CE}" type="datetimeFigureOut">
               <a:rPr lang="nl-NL" smtClean="0"/>
-              <a:t>4-3-2020</a:t>
+              <a:t>5-3-2020</a:t>
             </a:fld>
             <a:endParaRPr lang="nl-NL"/>
           </a:p>
@@ -467,7 +471,7 @@
           <a:p>
             <a:fld id="{04EBAE34-6F42-4F8C-9574-2189B767E9CE}" type="datetimeFigureOut">
               <a:rPr lang="nl-NL" smtClean="0"/>
-              <a:t>4-3-2020</a:t>
+              <a:t>5-3-2020</a:t>
             </a:fld>
             <a:endParaRPr lang="nl-NL"/>
           </a:p>
@@ -677,7 +681,7 @@
           <a:p>
             <a:fld id="{04EBAE34-6F42-4F8C-9574-2189B767E9CE}" type="datetimeFigureOut">
               <a:rPr lang="nl-NL" smtClean="0"/>
-              <a:t>4-3-2020</a:t>
+              <a:t>5-3-2020</a:t>
             </a:fld>
             <a:endParaRPr lang="nl-NL"/>
           </a:p>
@@ -877,7 +881,7 @@
           <a:p>
             <a:fld id="{04EBAE34-6F42-4F8C-9574-2189B767E9CE}" type="datetimeFigureOut">
               <a:rPr lang="nl-NL" smtClean="0"/>
-              <a:t>4-3-2020</a:t>
+              <a:t>5-3-2020</a:t>
             </a:fld>
             <a:endParaRPr lang="nl-NL"/>
           </a:p>
@@ -1153,7 +1157,7 @@
           <a:p>
             <a:fld id="{04EBAE34-6F42-4F8C-9574-2189B767E9CE}" type="datetimeFigureOut">
               <a:rPr lang="nl-NL" smtClean="0"/>
-              <a:t>4-3-2020</a:t>
+              <a:t>5-3-2020</a:t>
             </a:fld>
             <a:endParaRPr lang="nl-NL"/>
           </a:p>
@@ -1421,7 +1425,7 @@
           <a:p>
             <a:fld id="{04EBAE34-6F42-4F8C-9574-2189B767E9CE}" type="datetimeFigureOut">
               <a:rPr lang="nl-NL" smtClean="0"/>
-              <a:t>4-3-2020</a:t>
+              <a:t>5-3-2020</a:t>
             </a:fld>
             <a:endParaRPr lang="nl-NL"/>
           </a:p>
@@ -1836,7 +1840,7 @@
           <a:p>
             <a:fld id="{04EBAE34-6F42-4F8C-9574-2189B767E9CE}" type="datetimeFigureOut">
               <a:rPr lang="nl-NL" smtClean="0"/>
-              <a:t>4-3-2020</a:t>
+              <a:t>5-3-2020</a:t>
             </a:fld>
             <a:endParaRPr lang="nl-NL"/>
           </a:p>
@@ -1978,7 +1982,7 @@
           <a:p>
             <a:fld id="{04EBAE34-6F42-4F8C-9574-2189B767E9CE}" type="datetimeFigureOut">
               <a:rPr lang="nl-NL" smtClean="0"/>
-              <a:t>4-3-2020</a:t>
+              <a:t>5-3-2020</a:t>
             </a:fld>
             <a:endParaRPr lang="nl-NL"/>
           </a:p>
@@ -2091,7 +2095,7 @@
           <a:p>
             <a:fld id="{04EBAE34-6F42-4F8C-9574-2189B767E9CE}" type="datetimeFigureOut">
               <a:rPr lang="nl-NL" smtClean="0"/>
-              <a:t>4-3-2020</a:t>
+              <a:t>5-3-2020</a:t>
             </a:fld>
             <a:endParaRPr lang="nl-NL"/>
           </a:p>
@@ -2404,7 +2408,7 @@
           <a:p>
             <a:fld id="{04EBAE34-6F42-4F8C-9574-2189B767E9CE}" type="datetimeFigureOut">
               <a:rPr lang="nl-NL" smtClean="0"/>
-              <a:t>4-3-2020</a:t>
+              <a:t>5-3-2020</a:t>
             </a:fld>
             <a:endParaRPr lang="nl-NL"/>
           </a:p>
@@ -2693,7 +2697,7 @@
           <a:p>
             <a:fld id="{04EBAE34-6F42-4F8C-9574-2189B767E9CE}" type="datetimeFigureOut">
               <a:rPr lang="nl-NL" smtClean="0"/>
-              <a:t>4-3-2020</a:t>
+              <a:t>5-3-2020</a:t>
             </a:fld>
             <a:endParaRPr lang="nl-NL"/>
           </a:p>
@@ -2942,7 +2946,7 @@
           <a:p>
             <a:fld id="{04EBAE34-6F42-4F8C-9574-2189B767E9CE}" type="datetimeFigureOut">
               <a:rPr lang="nl-NL" smtClean="0"/>
-              <a:t>4-3-2020</a:t>
+              <a:t>5-3-2020</a:t>
             </a:fld>
             <a:endParaRPr lang="nl-NL"/>
           </a:p>
@@ -3415,6 +3419,627 @@
 </p:sld>
 </file>
 
+<file path=ppt/slides/slide10.xml><?xml version="1.0" encoding="utf-8"?>
+<p:sld xmlns:a="http://schemas.openxmlformats.org/drawingml/2006/main" xmlns:r="http://schemas.openxmlformats.org/officeDocument/2006/relationships" xmlns:p="http://schemas.openxmlformats.org/presentationml/2006/main">
+  <p:cSld>
+    <p:spTree>
+      <p:nvGrpSpPr>
+        <p:cNvPr id="1" name=""/>
+        <p:cNvGrpSpPr/>
+        <p:nvPr/>
+      </p:nvGrpSpPr>
+      <p:grpSpPr>
+        <a:xfrm>
+          <a:off x="0" y="0"/>
+          <a:ext cx="0" cy="0"/>
+          <a:chOff x="0" y="0"/>
+          <a:chExt cx="0" cy="0"/>
+        </a:xfrm>
+      </p:grpSpPr>
+      <p:sp>
+        <p:nvSpPr>
+          <p:cNvPr id="2" name="Title 1">
+            <a:extLst>
+              <a:ext uri="{FF2B5EF4-FFF2-40B4-BE49-F238E27FC236}">
+                <a16:creationId xmlns:a16="http://schemas.microsoft.com/office/drawing/2014/main" id="{AAD0C080-1C82-42F8-8B37-2585E9488233}"/>
+              </a:ext>
+            </a:extLst>
+          </p:cNvPr>
+          <p:cNvSpPr>
+            <a:spLocks noGrp="1"/>
+          </p:cNvSpPr>
+          <p:nvPr>
+            <p:ph type="title"/>
+          </p:nvPr>
+        </p:nvSpPr>
+        <p:spPr/>
+        <p:txBody>
+          <a:bodyPr/>
+          <a:lstStyle/>
+          <a:p>
+            <a:r>
+              <a:rPr lang="nl-NL" dirty="0">
+                <a:solidFill>
+                  <a:schemeClr val="bg1">
+                    <a:lumMod val="75000"/>
+                  </a:schemeClr>
+                </a:solidFill>
+                <a:latin typeface="Comfortaa" panose="020F0403060000060003" pitchFamily="34" charset="0"/>
+              </a:rPr>
+              <a:t>Software</a:t>
+            </a:r>
+          </a:p>
+        </p:txBody>
+      </p:sp>
+      <p:sp>
+        <p:nvSpPr>
+          <p:cNvPr id="3" name="Content Placeholder 2">
+            <a:extLst>
+              <a:ext uri="{FF2B5EF4-FFF2-40B4-BE49-F238E27FC236}">
+                <a16:creationId xmlns:a16="http://schemas.microsoft.com/office/drawing/2014/main" id="{775A5942-5E46-4105-A8B6-92992FFF53FB}"/>
+              </a:ext>
+            </a:extLst>
+          </p:cNvPr>
+          <p:cNvSpPr>
+            <a:spLocks noGrp="1"/>
+          </p:cNvSpPr>
+          <p:nvPr>
+            <p:ph idx="1"/>
+          </p:nvPr>
+        </p:nvSpPr>
+        <p:spPr/>
+        <p:txBody>
+          <a:bodyPr>
+            <a:normAutofit/>
+          </a:bodyPr>
+          <a:lstStyle/>
+          <a:p>
+            <a:r>
+              <a:rPr lang="nl-NL" dirty="0">
+                <a:solidFill>
+                  <a:schemeClr val="bg1">
+                    <a:lumMod val="75000"/>
+                  </a:schemeClr>
+                </a:solidFill>
+                <a:latin typeface="Comfortaa" panose="020F0403060000060003" pitchFamily="34" charset="0"/>
+              </a:rPr>
+              <a:t>Welke</a:t>
+            </a:r>
+          </a:p>
+          <a:p>
+            <a:pPr lvl="1"/>
+            <a:r>
+              <a:rPr lang="nl-NL" dirty="0">
+                <a:solidFill>
+                  <a:schemeClr val="bg1">
+                    <a:lumMod val="75000"/>
+                  </a:schemeClr>
+                </a:solidFill>
+                <a:latin typeface="Comfortaa" panose="020F0403060000060003" pitchFamily="34" charset="0"/>
+              </a:rPr>
+              <a:t>Github desktop (team)</a:t>
+            </a:r>
+          </a:p>
+          <a:p>
+            <a:pPr lvl="1"/>
+            <a:r>
+              <a:rPr lang="nl-NL" dirty="0">
+                <a:solidFill>
+                  <a:schemeClr val="bg1">
+                    <a:lumMod val="75000"/>
+                  </a:schemeClr>
+                </a:solidFill>
+                <a:latin typeface="Comfortaa" panose="020F0403060000060003" pitchFamily="34" charset="0"/>
+              </a:rPr>
+              <a:t>Visual studio 2019 (programmeren)</a:t>
+            </a:r>
+          </a:p>
+          <a:p>
+            <a:pPr lvl="1"/>
+            <a:r>
+              <a:rPr lang="nl-NL" dirty="0">
+                <a:solidFill>
+                  <a:schemeClr val="bg1">
+                    <a:lumMod val="75000"/>
+                  </a:schemeClr>
+                </a:solidFill>
+                <a:latin typeface="Comfortaa" panose="020F0403060000060003" pitchFamily="34" charset="0"/>
+              </a:rPr>
+              <a:t>Unity (project omgeving)</a:t>
+            </a:r>
+          </a:p>
+          <a:p>
+            <a:pPr lvl="1"/>
+            <a:r>
+              <a:rPr lang="nl-NL" dirty="0">
+                <a:solidFill>
+                  <a:schemeClr val="bg1">
+                    <a:lumMod val="75000"/>
+                  </a:schemeClr>
+                </a:solidFill>
+                <a:latin typeface="Comfortaa" panose="020F0403060000060003" pitchFamily="34" charset="0"/>
+              </a:rPr>
+              <a:t>Unity hub (Unity versie controle)</a:t>
+            </a:r>
+          </a:p>
+          <a:p>
+            <a:r>
+              <a:rPr lang="nl-NL" dirty="0" err="1">
+                <a:solidFill>
+                  <a:schemeClr val="bg1">
+                    <a:lumMod val="75000"/>
+                  </a:schemeClr>
+                </a:solidFill>
+                <a:latin typeface="Comfortaa" panose="020F0403060000060003" pitchFamily="34" charset="0"/>
+              </a:rPr>
+              <a:t>Misc</a:t>
+            </a:r>
+            <a:endParaRPr lang="nl-NL" dirty="0">
+              <a:solidFill>
+                <a:schemeClr val="bg1">
+                  <a:lumMod val="75000"/>
+                </a:schemeClr>
+              </a:solidFill>
+              <a:latin typeface="Comfortaa" panose="020F0403060000060003" pitchFamily="34" charset="0"/>
+            </a:endParaRPr>
+          </a:p>
+          <a:p>
+            <a:pPr lvl="1"/>
+            <a:r>
+              <a:rPr lang="nl-NL" dirty="0" err="1">
+                <a:solidFill>
+                  <a:schemeClr val="bg1">
+                    <a:lumMod val="75000"/>
+                  </a:schemeClr>
+                </a:solidFill>
+                <a:latin typeface="Comfortaa" panose="020F0403060000060003" pitchFamily="34" charset="0"/>
+              </a:rPr>
+              <a:t>Trello</a:t>
+            </a:r>
+            <a:r>
+              <a:rPr lang="nl-NL" dirty="0">
+                <a:solidFill>
+                  <a:schemeClr val="bg1">
+                    <a:lumMod val="75000"/>
+                  </a:schemeClr>
+                </a:solidFill>
+                <a:latin typeface="Comfortaa" panose="020F0403060000060003" pitchFamily="34" charset="0"/>
+              </a:rPr>
+              <a:t> (planning)</a:t>
+            </a:r>
+          </a:p>
+          <a:p>
+            <a:pPr lvl="1"/>
+            <a:r>
+              <a:rPr lang="nl-NL" dirty="0">
+                <a:solidFill>
+                  <a:schemeClr val="bg1">
+                    <a:lumMod val="75000"/>
+                  </a:schemeClr>
+                </a:solidFill>
+                <a:latin typeface="Comfortaa" panose="020F0403060000060003" pitchFamily="34" charset="0"/>
+              </a:rPr>
+              <a:t>Google </a:t>
+            </a:r>
+            <a:r>
+              <a:rPr lang="nl-NL" dirty="0" err="1">
+                <a:solidFill>
+                  <a:schemeClr val="bg1">
+                    <a:lumMod val="75000"/>
+                  </a:schemeClr>
+                </a:solidFill>
+                <a:latin typeface="Comfortaa" panose="020F0403060000060003" pitchFamily="34" charset="0"/>
+              </a:rPr>
+              <a:t>docs</a:t>
+            </a:r>
+            <a:r>
+              <a:rPr lang="nl-NL" dirty="0">
+                <a:solidFill>
+                  <a:schemeClr val="bg1">
+                    <a:lumMod val="75000"/>
+                  </a:schemeClr>
+                </a:solidFill>
+                <a:latin typeface="Comfortaa" panose="020F0403060000060003" pitchFamily="34" charset="0"/>
+              </a:rPr>
+              <a:t> (documentatie)</a:t>
+            </a:r>
+          </a:p>
+          <a:p>
+            <a:pPr lvl="1"/>
+            <a:r>
+              <a:rPr lang="nl-NL" dirty="0">
+                <a:solidFill>
+                  <a:schemeClr val="bg1">
+                    <a:lumMod val="75000"/>
+                  </a:schemeClr>
+                </a:solidFill>
+                <a:latin typeface="Comfortaa" panose="020F0403060000060003" pitchFamily="34" charset="0"/>
+              </a:rPr>
+              <a:t>Nclass (UML)</a:t>
+            </a:r>
+          </a:p>
+          <a:p>
+            <a:pPr lvl="1"/>
+            <a:r>
+              <a:rPr lang="nl-NL" dirty="0">
+                <a:solidFill>
+                  <a:schemeClr val="bg1">
+                    <a:lumMod val="75000"/>
+                  </a:schemeClr>
+                </a:solidFill>
+                <a:latin typeface="Comfortaa" panose="020F0403060000060003" pitchFamily="34" charset="0"/>
+              </a:rPr>
+              <a:t>Discord (communicatie)</a:t>
+            </a:r>
+          </a:p>
+          <a:p>
+            <a:pPr lvl="1"/>
+            <a:endParaRPr lang="nl-NL" dirty="0">
+              <a:solidFill>
+                <a:schemeClr val="bg1">
+                  <a:lumMod val="75000"/>
+                </a:schemeClr>
+              </a:solidFill>
+              <a:latin typeface="Comfortaa" panose="020F0403060000060003" pitchFamily="34" charset="0"/>
+            </a:endParaRPr>
+          </a:p>
+          <a:p>
+            <a:endParaRPr lang="nl-NL" dirty="0">
+              <a:solidFill>
+                <a:schemeClr val="bg1">
+                  <a:lumMod val="75000"/>
+                </a:schemeClr>
+              </a:solidFill>
+              <a:latin typeface="Comfortaa" panose="020F0403060000060003" pitchFamily="34" charset="0"/>
+            </a:endParaRPr>
+          </a:p>
+        </p:txBody>
+      </p:sp>
+    </p:spTree>
+    <p:extLst>
+      <p:ext uri="{BB962C8B-B14F-4D97-AF65-F5344CB8AC3E}">
+        <p14:creationId xmlns:p14="http://schemas.microsoft.com/office/powerpoint/2010/main" val="2246388035"/>
+      </p:ext>
+    </p:extLst>
+  </p:cSld>
+  <p:clrMapOvr>
+    <a:masterClrMapping/>
+  </p:clrMapOvr>
+</p:sld>
+</file>
+
+<file path=ppt/slides/slide11.xml><?xml version="1.0" encoding="utf-8"?>
+<p:sld xmlns:a="http://schemas.openxmlformats.org/drawingml/2006/main" xmlns:r="http://schemas.openxmlformats.org/officeDocument/2006/relationships" xmlns:p="http://schemas.openxmlformats.org/presentationml/2006/main">
+  <p:cSld>
+    <p:spTree>
+      <p:nvGrpSpPr>
+        <p:cNvPr id="1" name=""/>
+        <p:cNvGrpSpPr/>
+        <p:nvPr/>
+      </p:nvGrpSpPr>
+      <p:grpSpPr>
+        <a:xfrm>
+          <a:off x="0" y="0"/>
+          <a:ext cx="0" cy="0"/>
+          <a:chOff x="0" y="0"/>
+          <a:chExt cx="0" cy="0"/>
+        </a:xfrm>
+      </p:grpSpPr>
+      <p:sp>
+        <p:nvSpPr>
+          <p:cNvPr id="2" name="Title 1">
+            <a:extLst>
+              <a:ext uri="{FF2B5EF4-FFF2-40B4-BE49-F238E27FC236}">
+                <a16:creationId xmlns:a16="http://schemas.microsoft.com/office/drawing/2014/main" id="{56BEB2A4-2A23-4282-93DF-3320FC40391D}"/>
+              </a:ext>
+            </a:extLst>
+          </p:cNvPr>
+          <p:cNvSpPr>
+            <a:spLocks noGrp="1"/>
+          </p:cNvSpPr>
+          <p:nvPr>
+            <p:ph type="title"/>
+          </p:nvPr>
+        </p:nvSpPr>
+        <p:spPr/>
+        <p:txBody>
+          <a:bodyPr/>
+          <a:lstStyle/>
+          <a:p>
+            <a:r>
+              <a:rPr lang="nl-NL" dirty="0">
+                <a:solidFill>
+                  <a:schemeClr val="bg1">
+                    <a:lumMod val="75000"/>
+                  </a:schemeClr>
+                </a:solidFill>
+                <a:latin typeface="Comfortaa" panose="020F0403060000060003" pitchFamily="34" charset="0"/>
+              </a:rPr>
+              <a:t>Software</a:t>
+            </a:r>
+          </a:p>
+        </p:txBody>
+      </p:sp>
+      <p:sp>
+        <p:nvSpPr>
+          <p:cNvPr id="3" name="Content Placeholder 2">
+            <a:extLst>
+              <a:ext uri="{FF2B5EF4-FFF2-40B4-BE49-F238E27FC236}">
+                <a16:creationId xmlns:a16="http://schemas.microsoft.com/office/drawing/2014/main" id="{58CD32C7-C67D-404D-ACFA-81E8E1391D52}"/>
+              </a:ext>
+            </a:extLst>
+          </p:cNvPr>
+          <p:cNvSpPr>
+            <a:spLocks noGrp="1"/>
+          </p:cNvSpPr>
+          <p:nvPr>
+            <p:ph idx="1"/>
+          </p:nvPr>
+        </p:nvSpPr>
+        <p:spPr/>
+        <p:txBody>
+          <a:bodyPr>
+            <a:normAutofit lnSpcReduction="10000"/>
+          </a:bodyPr>
+          <a:lstStyle/>
+          <a:p>
+            <a:r>
+              <a:rPr lang="nl-NL" dirty="0">
+                <a:solidFill>
+                  <a:schemeClr val="bg1">
+                    <a:lumMod val="75000"/>
+                  </a:schemeClr>
+                </a:solidFill>
+                <a:latin typeface="Comfortaa" panose="020F0403060000060003" pitchFamily="34" charset="0"/>
+              </a:rPr>
+              <a:t>Inrichting</a:t>
+            </a:r>
+          </a:p>
+          <a:p>
+            <a:pPr lvl="1"/>
+            <a:r>
+              <a:rPr lang="nl-NL" dirty="0">
+                <a:solidFill>
+                  <a:schemeClr val="bg1">
+                    <a:lumMod val="75000"/>
+                  </a:schemeClr>
+                </a:solidFill>
+                <a:latin typeface="Comfortaa" panose="020F0403060000060003" pitchFamily="34" charset="0"/>
+              </a:rPr>
+              <a:t>Github repository (github site)</a:t>
+            </a:r>
+          </a:p>
+          <a:p>
+            <a:pPr lvl="2"/>
+            <a:r>
+              <a:rPr lang="nl-NL" dirty="0">
+                <a:solidFill>
+                  <a:schemeClr val="bg1">
+                    <a:lumMod val="75000"/>
+                  </a:schemeClr>
+                </a:solidFill>
+                <a:latin typeface="Comfortaa" panose="020F0403060000060003" pitchFamily="34" charset="0"/>
+              </a:rPr>
+              <a:t>Maak repository</a:t>
+            </a:r>
+          </a:p>
+          <a:p>
+            <a:pPr lvl="1"/>
+            <a:r>
+              <a:rPr lang="nl-NL" dirty="0">
+                <a:solidFill>
+                  <a:schemeClr val="bg1">
+                    <a:lumMod val="75000"/>
+                  </a:schemeClr>
+                </a:solidFill>
+                <a:latin typeface="Comfortaa" panose="020F0403060000060003" pitchFamily="34" charset="0"/>
+              </a:rPr>
+              <a:t>Github desktop</a:t>
+            </a:r>
+          </a:p>
+          <a:p>
+            <a:pPr lvl="2"/>
+            <a:r>
+              <a:rPr lang="nl-NL" dirty="0">
+                <a:solidFill>
+                  <a:schemeClr val="bg1">
+                    <a:lumMod val="75000"/>
+                  </a:schemeClr>
+                </a:solidFill>
+                <a:latin typeface="Comfortaa" panose="020F0403060000060003" pitchFamily="34" charset="0"/>
+              </a:rPr>
+              <a:t>Nieuwste versie</a:t>
+            </a:r>
+          </a:p>
+          <a:p>
+            <a:pPr lvl="1"/>
+            <a:r>
+              <a:rPr lang="nl-NL" dirty="0">
+                <a:solidFill>
+                  <a:schemeClr val="bg1">
+                    <a:lumMod val="75000"/>
+                  </a:schemeClr>
+                </a:solidFill>
+                <a:latin typeface="Comfortaa" panose="020F0403060000060003" pitchFamily="34" charset="0"/>
+              </a:rPr>
+              <a:t>Visual studio 2019</a:t>
+            </a:r>
+          </a:p>
+          <a:p>
+            <a:pPr lvl="2"/>
+            <a:r>
+              <a:rPr lang="nl-NL" dirty="0">
+                <a:solidFill>
+                  <a:schemeClr val="bg1">
+                    <a:lumMod val="75000"/>
+                  </a:schemeClr>
+                </a:solidFill>
+                <a:hlinkClick r:id="rId2">
+                  <a:extLst>
+                    <a:ext uri="{A12FA001-AC4F-418D-AE19-62706E023703}">
+                      <ahyp:hlinkClr xmlns:ahyp="http://schemas.microsoft.com/office/drawing/2018/hyperlinkcolor" val="tx"/>
+                    </a:ext>
+                  </a:extLst>
+                </a:hlinkClick>
+              </a:rPr>
+              <a:t>https://visualstudio.microsoft.com/vs/</a:t>
+            </a:r>
+            <a:endParaRPr lang="nl-NL" dirty="0">
+              <a:solidFill>
+                <a:schemeClr val="bg1">
+                  <a:lumMod val="75000"/>
+                </a:schemeClr>
+              </a:solidFill>
+              <a:latin typeface="Comfortaa" panose="020F0403060000060003" pitchFamily="34" charset="0"/>
+            </a:endParaRPr>
+          </a:p>
+          <a:p>
+            <a:pPr lvl="1"/>
+            <a:r>
+              <a:rPr lang="nl-NL" dirty="0">
+                <a:solidFill>
+                  <a:schemeClr val="bg1">
+                    <a:lumMod val="75000"/>
+                  </a:schemeClr>
+                </a:solidFill>
+                <a:latin typeface="Comfortaa" panose="020F0403060000060003" pitchFamily="34" charset="0"/>
+              </a:rPr>
+              <a:t>Unity Hub</a:t>
+            </a:r>
+          </a:p>
+          <a:p>
+            <a:pPr lvl="2"/>
+            <a:r>
+              <a:rPr lang="nl-NL" dirty="0">
+                <a:solidFill>
+                  <a:schemeClr val="bg1">
+                    <a:lumMod val="75000"/>
+                  </a:schemeClr>
+                </a:solidFill>
+                <a:hlinkClick r:id="rId3">
+                  <a:extLst>
+                    <a:ext uri="{A12FA001-AC4F-418D-AE19-62706E023703}">
+                      <ahyp:hlinkClr xmlns:ahyp="http://schemas.microsoft.com/office/drawing/2018/hyperlinkcolor" val="tx"/>
+                    </a:ext>
+                  </a:extLst>
+                </a:hlinkClick>
+              </a:rPr>
+              <a:t>https://unity3d.com/get-unity/download</a:t>
+            </a:r>
+            <a:endParaRPr lang="nl-NL" dirty="0">
+              <a:solidFill>
+                <a:schemeClr val="bg1">
+                  <a:lumMod val="75000"/>
+                </a:schemeClr>
+              </a:solidFill>
+              <a:latin typeface="Comfortaa" panose="020F0403060000060003" pitchFamily="34" charset="0"/>
+            </a:endParaRPr>
+          </a:p>
+          <a:p>
+            <a:pPr lvl="1"/>
+            <a:r>
+              <a:rPr lang="nl-NL" dirty="0">
+                <a:solidFill>
+                  <a:schemeClr val="bg1">
+                    <a:lumMod val="75000"/>
+                  </a:schemeClr>
+                </a:solidFill>
+                <a:latin typeface="Comfortaa" panose="020F0403060000060003" pitchFamily="34" charset="0"/>
+              </a:rPr>
+              <a:t>Unity </a:t>
+            </a:r>
+          </a:p>
+          <a:p>
+            <a:pPr lvl="2"/>
+            <a:r>
+              <a:rPr lang="nl-NL" dirty="0">
+                <a:solidFill>
+                  <a:schemeClr val="bg1">
+                    <a:lumMod val="75000"/>
+                  </a:schemeClr>
+                </a:solidFill>
+                <a:latin typeface="Comfortaa" panose="020F0403060000060003" pitchFamily="34" charset="0"/>
+              </a:rPr>
+              <a:t>Via Unity Hub</a:t>
+            </a:r>
+          </a:p>
+          <a:p>
+            <a:pPr lvl="2"/>
+            <a:r>
+              <a:rPr lang="nl-NL" dirty="0">
+                <a:solidFill>
+                  <a:schemeClr val="bg1">
+                    <a:lumMod val="75000"/>
+                  </a:schemeClr>
+                </a:solidFill>
+                <a:latin typeface="Comfortaa" panose="020F0403060000060003" pitchFamily="34" charset="0"/>
+              </a:rPr>
+              <a:t>Versie 2019.2.19f1</a:t>
+            </a:r>
+          </a:p>
+        </p:txBody>
+      </p:sp>
+      <p:pic>
+        <p:nvPicPr>
+          <p:cNvPr id="4" name="Afbeelding 3"/>
+          <p:cNvPicPr>
+            <a:picLocks noChangeAspect="1"/>
+          </p:cNvPicPr>
+          <p:nvPr/>
+        </p:nvPicPr>
+        <p:blipFill>
+          <a:blip r:embed="rId4"/>
+          <a:stretch>
+            <a:fillRect/>
+          </a:stretch>
+        </p:blipFill>
+        <p:spPr>
+          <a:xfrm>
+            <a:off x="6879870" y="713473"/>
+            <a:ext cx="4473930" cy="2540473"/>
+          </a:xfrm>
+          <a:prstGeom prst="rect">
+            <a:avLst/>
+          </a:prstGeom>
+        </p:spPr>
+      </p:pic>
+      <p:pic>
+        <p:nvPicPr>
+          <p:cNvPr id="5" name="Afbeelding 4"/>
+          <p:cNvPicPr>
+            <a:picLocks noChangeAspect="1"/>
+          </p:cNvPicPr>
+          <p:nvPr/>
+        </p:nvPicPr>
+        <p:blipFill>
+          <a:blip r:embed="rId5"/>
+          <a:stretch>
+            <a:fillRect/>
+          </a:stretch>
+        </p:blipFill>
+        <p:spPr>
+          <a:xfrm>
+            <a:off x="6879870" y="3625436"/>
+            <a:ext cx="4473930" cy="2506390"/>
+          </a:xfrm>
+          <a:prstGeom prst="rect">
+            <a:avLst/>
+          </a:prstGeom>
+        </p:spPr>
+      </p:pic>
+    </p:spTree>
+    <p:extLst>
+      <p:ext uri="{BB962C8B-B14F-4D97-AF65-F5344CB8AC3E}">
+        <p14:creationId xmlns:p14="http://schemas.microsoft.com/office/powerpoint/2010/main" val="1401723453"/>
+      </p:ext>
+    </p:extLst>
+  </p:cSld>
+  <p:clrMapOvr>
+    <a:masterClrMapping/>
+  </p:clrMapOvr>
+</p:sld>
+</file>
+
 <file path=ppt/slides/slide2.xml><?xml version="1.0" encoding="utf-8"?>
 <p:sld xmlns:a="http://schemas.openxmlformats.org/drawingml/2006/main" xmlns:r="http://schemas.openxmlformats.org/officeDocument/2006/relationships" xmlns:p="http://schemas.openxmlformats.org/presentationml/2006/main">
   <p:cSld>
@@ -3483,10 +4108,15 @@
             <p:ph idx="1"/>
           </p:nvPr>
         </p:nvSpPr>
-        <p:spPr/>
+        <p:spPr>
+          <a:xfrm>
+            <a:off x="838200" y="1825625"/>
+            <a:ext cx="10515600" cy="4759734"/>
+          </a:xfrm>
+        </p:spPr>
         <p:txBody>
           <a:bodyPr>
-            <a:normAutofit/>
+            <a:normAutofit fontScale="92500" lnSpcReduction="20000"/>
           </a:bodyPr>
           <a:lstStyle/>
           <a:p>
@@ -3555,6 +4185,7 @@
             </a:r>
           </a:p>
           <a:p>
+            <a:pPr lvl="1"/>
             <a:r>
               <a:rPr lang="nl-NL" dirty="0">
                 <a:solidFill>
@@ -3564,22 +4195,10 @@
                 </a:solidFill>
                 <a:latin typeface="Comfortaa" panose="020F0403060000060003" pitchFamily="34" charset="0"/>
               </a:rPr>
-              <a:t>Tweede sprint</a:t>
-            </a:r>
-          </a:p>
-          <a:p>
-            <a:pPr lvl="1"/>
-            <a:r>
-              <a:rPr lang="nl-NL" dirty="0" err="1">
-                <a:solidFill>
-                  <a:schemeClr val="bg1">
-                    <a:lumMod val="75000"/>
-                  </a:schemeClr>
-                </a:solidFill>
-                <a:latin typeface="Comfortaa" panose="020F0403060000060003" pitchFamily="34" charset="0"/>
-              </a:rPr>
-              <a:t>PvE</a:t>
-            </a:r>
+              <a:t>GDD</a:t>
+            </a:r>
+          </a:p>
+          <a:p>
             <a:r>
               <a:rPr lang="nl-NL" dirty="0">
                 <a:solidFill>
@@ -3589,7 +4208,62 @@
                 </a:solidFill>
                 <a:latin typeface="Comfortaa" panose="020F0403060000060003" pitchFamily="34" charset="0"/>
               </a:rPr>
-              <a:t>/Werkzaamheden</a:t>
+              <a:t>Volgende sprint</a:t>
+            </a:r>
+          </a:p>
+          <a:p>
+            <a:pPr lvl="1"/>
+            <a:r>
+              <a:rPr lang="nl-NL" dirty="0">
+                <a:solidFill>
+                  <a:schemeClr val="bg1">
+                    <a:lumMod val="75000"/>
+                  </a:schemeClr>
+                </a:solidFill>
+                <a:latin typeface="Comfortaa" panose="020F0403060000060003" pitchFamily="34" charset="0"/>
+              </a:rPr>
+              <a:t>PvE/Werkzaamheden</a:t>
+            </a:r>
+          </a:p>
+          <a:p>
+            <a:r>
+              <a:rPr lang="nl-NL" dirty="0">
+                <a:solidFill>
+                  <a:schemeClr val="bg1">
+                    <a:lumMod val="75000"/>
+                  </a:schemeClr>
+                </a:solidFill>
+                <a:latin typeface="Comfortaa" panose="020F0403060000060003" pitchFamily="34" charset="0"/>
+              </a:rPr>
+              <a:t>Technisch ontwerp</a:t>
+            </a:r>
+          </a:p>
+          <a:p>
+            <a:pPr lvl="1"/>
+            <a:r>
+              <a:rPr lang="nl-NL" dirty="0">
+                <a:solidFill>
+                  <a:schemeClr val="bg1">
+                    <a:lumMod val="75000"/>
+                  </a:schemeClr>
+                </a:solidFill>
+                <a:latin typeface="Comfortaa" panose="020F0403060000060003" pitchFamily="34" charset="0"/>
+              </a:rPr>
+              <a:t>Keuzes</a:t>
+            </a:r>
+          </a:p>
+          <a:p>
+            <a:pPr lvl="1"/>
+            <a:r>
+              <a:rPr lang="nl-NL" dirty="0">
+                <a:solidFill>
+                  <a:schemeClr val="bg1">
+                    <a:lumMod val="75000"/>
+                  </a:schemeClr>
+                </a:solidFill>
+                <a:latin typeface="Comfortaa" panose="020F0403060000060003" pitchFamily="34" charset="0"/>
+              </a:rPr>
+              <a:t>GDD</a:t>
             </a:r>
           </a:p>
           <a:p>
@@ -3632,16 +4306,6 @@
               </a:rPr>
               <a:t>Inrichting</a:t>
             </a:r>
-          </a:p>
-          <a:p>
-            <a:endParaRPr lang="nl-NL" dirty="0">
-              <a:solidFill>
-                <a:schemeClr val="bg1">
-                  <a:lumMod val="75000"/>
-                </a:schemeClr>
-              </a:solidFill>
-              <a:latin typeface="Comfortaa" panose="020F0403060000060003" pitchFamily="34" charset="0"/>
-            </a:endParaRPr>
           </a:p>
         </p:txBody>
       </p:sp>
@@ -6334,21 +6998,7 @@
                 </a:solidFill>
                 <a:latin typeface="Comfortaa" panose="020F0403060000060003" pitchFamily="34" charset="0"/>
               </a:rPr>
-              <a:t>Performance</a:t>
-            </a:r>
-          </a:p>
-          <a:p>
-            <a:pPr lvl="1"/>
-            <a:r>
-              <a:rPr lang="nl-NL" dirty="0">
-                <a:solidFill>
-                  <a:schemeClr val="bg1">
-                    <a:lumMod val="75000"/>
-                  </a:schemeClr>
-                </a:solidFill>
-                <a:latin typeface="Comfortaa" panose="020F0403060000060003" pitchFamily="34" charset="0"/>
-              </a:rPr>
-              <a:t>Controller type</a:t>
+              <a:t>Controller only</a:t>
             </a:r>
           </a:p>
           <a:p>
@@ -6387,10 +7037,10 @@
       </p:sp>
       <p:pic>
         <p:nvPicPr>
-          <p:cNvPr id="5" name="Picture 4">
+          <p:cNvPr id="4" name="Picture 3">
             <a:extLst>
               <a:ext uri="{FF2B5EF4-FFF2-40B4-BE49-F238E27FC236}">
-                <a16:creationId xmlns:a16="http://schemas.microsoft.com/office/drawing/2014/main" id="{8D0F6670-8CEB-44CB-8C1C-4090458E2255}"/>
+                <a16:creationId xmlns:a16="http://schemas.microsoft.com/office/drawing/2014/main" id="{E57262C9-C772-45EE-AA62-CECE83DF6699}"/>
               </a:ext>
             </a:extLst>
           </p:cNvPr>
@@ -6407,8 +7057,8 @@
         </p:blipFill>
         <p:spPr>
           <a:xfrm>
-            <a:off x="5841552" y="1825625"/>
-            <a:ext cx="5512248" cy="3340415"/>
+            <a:off x="6464945" y="1027906"/>
+            <a:ext cx="4888855" cy="4282751"/>
           </a:xfrm>
           <a:prstGeom prst="rect">
             <a:avLst/>
@@ -6450,6 +7100,252 @@
           <p:cNvPr id="2" name="Title 1">
             <a:extLst>
               <a:ext uri="{FF2B5EF4-FFF2-40B4-BE49-F238E27FC236}">
+                <a16:creationId xmlns:a16="http://schemas.microsoft.com/office/drawing/2014/main" id="{244238D8-859E-49E4-A11B-302AB2A2D97F}"/>
+              </a:ext>
+            </a:extLst>
+          </p:cNvPr>
+          <p:cNvSpPr>
+            <a:spLocks noGrp="1"/>
+          </p:cNvSpPr>
+          <p:nvPr>
+            <p:ph type="title"/>
+          </p:nvPr>
+        </p:nvSpPr>
+        <p:spPr/>
+        <p:txBody>
+          <a:bodyPr/>
+          <a:lstStyle/>
+          <a:p>
+            <a:r>
+              <a:rPr lang="nl-NL" dirty="0">
+                <a:solidFill>
+                  <a:schemeClr val="bg1">
+                    <a:lumMod val="75000"/>
+                  </a:schemeClr>
+                </a:solidFill>
+                <a:latin typeface="Comfortaa" panose="020F0403060000060003" pitchFamily="34" charset="0"/>
+              </a:rPr>
+              <a:t>Technisch ontwerp</a:t>
+            </a:r>
+          </a:p>
+        </p:txBody>
+      </p:sp>
+      <p:sp>
+        <p:nvSpPr>
+          <p:cNvPr id="3" name="Content Placeholder 2">
+            <a:extLst>
+              <a:ext uri="{FF2B5EF4-FFF2-40B4-BE49-F238E27FC236}">
+                <a16:creationId xmlns:a16="http://schemas.microsoft.com/office/drawing/2014/main" id="{0F195FCD-2AE8-4726-A3F7-EC5509936204}"/>
+              </a:ext>
+            </a:extLst>
+          </p:cNvPr>
+          <p:cNvSpPr>
+            <a:spLocks noGrp="1"/>
+          </p:cNvSpPr>
+          <p:nvPr>
+            <p:ph idx="1"/>
+          </p:nvPr>
+        </p:nvSpPr>
+        <p:spPr/>
+        <p:txBody>
+          <a:bodyPr/>
+          <a:lstStyle/>
+          <a:p>
+            <a:r>
+              <a:rPr lang="nl-NL" dirty="0">
+                <a:solidFill>
+                  <a:schemeClr val="bg1">
+                    <a:lumMod val="75000"/>
+                  </a:schemeClr>
+                </a:solidFill>
+                <a:latin typeface="Comfortaa" panose="020F0403060000060003" pitchFamily="34" charset="0"/>
+              </a:rPr>
+              <a:t>GDD</a:t>
+            </a:r>
+          </a:p>
+          <a:p>
+            <a:pPr marL="0" indent="0">
+              <a:buNone/>
+            </a:pPr>
+            <a:endParaRPr lang="nl-NL" dirty="0">
+              <a:solidFill>
+                <a:schemeClr val="bg1">
+                  <a:lumMod val="75000"/>
+                </a:schemeClr>
+              </a:solidFill>
+              <a:latin typeface="Comfortaa" panose="020F0403060000060003" pitchFamily="34" charset="0"/>
+            </a:endParaRPr>
+          </a:p>
+        </p:txBody>
+      </p:sp>
+      <p:pic>
+        <p:nvPicPr>
+          <p:cNvPr id="5" name="Picture 4">
+            <a:extLst>
+              <a:ext uri="{FF2B5EF4-FFF2-40B4-BE49-F238E27FC236}">
+                <a16:creationId xmlns:a16="http://schemas.microsoft.com/office/drawing/2014/main" id="{0117FC5C-1C8A-48CA-A9FA-B228457E7624}"/>
+              </a:ext>
+            </a:extLst>
+          </p:cNvPr>
+          <p:cNvPicPr>
+            <a:picLocks noChangeAspect="1"/>
+          </p:cNvPicPr>
+          <p:nvPr/>
+        </p:nvPicPr>
+        <p:blipFill>
+          <a:blip r:embed="rId2"/>
+          <a:stretch>
+            <a:fillRect/>
+          </a:stretch>
+        </p:blipFill>
+        <p:spPr>
+          <a:xfrm>
+            <a:off x="7206270" y="2447302"/>
+            <a:ext cx="4122576" cy="3729661"/>
+          </a:xfrm>
+          <a:prstGeom prst="rect">
+            <a:avLst/>
+          </a:prstGeom>
+        </p:spPr>
+      </p:pic>
+      <p:pic>
+        <p:nvPicPr>
+          <p:cNvPr id="7" name="Picture 6">
+            <a:extLst>
+              <a:ext uri="{FF2B5EF4-FFF2-40B4-BE49-F238E27FC236}">
+                <a16:creationId xmlns:a16="http://schemas.microsoft.com/office/drawing/2014/main" id="{E374EDD1-AC7E-442B-B76F-5C202AFF196D}"/>
+              </a:ext>
+            </a:extLst>
+          </p:cNvPr>
+          <p:cNvPicPr>
+            <a:picLocks noChangeAspect="1"/>
+          </p:cNvPicPr>
+          <p:nvPr/>
+        </p:nvPicPr>
+        <p:blipFill>
+          <a:blip r:embed="rId3"/>
+          <a:stretch>
+            <a:fillRect/>
+          </a:stretch>
+        </p:blipFill>
+        <p:spPr>
+          <a:xfrm>
+            <a:off x="838200" y="2447302"/>
+            <a:ext cx="6253775" cy="3729661"/>
+          </a:xfrm>
+          <a:prstGeom prst="rect">
+            <a:avLst/>
+          </a:prstGeom>
+        </p:spPr>
+      </p:pic>
+    </p:spTree>
+    <p:extLst>
+      <p:ext uri="{BB962C8B-B14F-4D97-AF65-F5344CB8AC3E}">
+        <p14:creationId xmlns:p14="http://schemas.microsoft.com/office/powerpoint/2010/main" val="2060016553"/>
+      </p:ext>
+    </p:extLst>
+  </p:cSld>
+  <p:clrMapOvr>
+    <a:masterClrMapping/>
+  </p:clrMapOvr>
+</p:sld>
+</file>
+
+<file path=ppt/slides/slide6.xml><?xml version="1.0" encoding="utf-8"?>
+<p:sld xmlns:a="http://schemas.openxmlformats.org/drawingml/2006/main" xmlns:r="http://schemas.openxmlformats.org/officeDocument/2006/relationships" xmlns:p="http://schemas.openxmlformats.org/presentationml/2006/main">
+  <p:cSld>
+    <p:spTree>
+      <p:nvGrpSpPr>
+        <p:cNvPr id="1" name=""/>
+        <p:cNvGrpSpPr/>
+        <p:nvPr/>
+      </p:nvGrpSpPr>
+      <p:grpSpPr>
+        <a:xfrm>
+          <a:off x="0" y="0"/>
+          <a:ext cx="0" cy="0"/>
+          <a:chOff x="0" y="0"/>
+          <a:chExt cx="0" cy="0"/>
+        </a:xfrm>
+      </p:grpSpPr>
+      <p:sp>
+        <p:nvSpPr>
+          <p:cNvPr id="2" name="Title 1">
+            <a:extLst>
+              <a:ext uri="{FF2B5EF4-FFF2-40B4-BE49-F238E27FC236}">
+                <a16:creationId xmlns:a16="http://schemas.microsoft.com/office/drawing/2014/main" id="{31BA3352-8DD6-4356-B524-A2F157052642}"/>
+              </a:ext>
+            </a:extLst>
+          </p:cNvPr>
+          <p:cNvSpPr>
+            <a:spLocks noGrp="1"/>
+          </p:cNvSpPr>
+          <p:nvPr>
+            <p:ph type="title"/>
+          </p:nvPr>
+        </p:nvSpPr>
+        <p:spPr>
+          <a:xfrm>
+            <a:off x="838200" y="2766218"/>
+            <a:ext cx="10515600" cy="1325563"/>
+          </a:xfrm>
+        </p:spPr>
+        <p:txBody>
+          <a:bodyPr>
+            <a:normAutofit/>
+          </a:bodyPr>
+          <a:lstStyle/>
+          <a:p>
+            <a:pPr algn="ctr"/>
+            <a:r>
+              <a:rPr lang="nl-NL" sz="8800" dirty="0">
+                <a:solidFill>
+                  <a:schemeClr val="bg1">
+                    <a:lumMod val="75000"/>
+                  </a:schemeClr>
+                </a:solidFill>
+                <a:latin typeface="Comfortaa" panose="020F0403060000060003" pitchFamily="34" charset="0"/>
+              </a:rPr>
+              <a:t>Volgende sprint</a:t>
+            </a:r>
+          </a:p>
+        </p:txBody>
+      </p:sp>
+    </p:spTree>
+    <p:extLst>
+      <p:ext uri="{BB962C8B-B14F-4D97-AF65-F5344CB8AC3E}">
+        <p14:creationId xmlns:p14="http://schemas.microsoft.com/office/powerpoint/2010/main" val="2903404027"/>
+      </p:ext>
+    </p:extLst>
+  </p:cSld>
+  <p:clrMapOvr>
+    <a:masterClrMapping/>
+  </p:clrMapOvr>
+</p:sld>
+</file>
+
+<file path=ppt/slides/slide7.xml><?xml version="1.0" encoding="utf-8"?>
+<p:sld xmlns:a="http://schemas.openxmlformats.org/drawingml/2006/main" xmlns:r="http://schemas.openxmlformats.org/officeDocument/2006/relationships" xmlns:p="http://schemas.openxmlformats.org/presentationml/2006/main">
+  <p:cSld>
+    <p:spTree>
+      <p:nvGrpSpPr>
+        <p:cNvPr id="1" name=""/>
+        <p:cNvGrpSpPr/>
+        <p:nvPr/>
+      </p:nvGrpSpPr>
+      <p:grpSpPr>
+        <a:xfrm>
+          <a:off x="0" y="0"/>
+          <a:ext cx="0" cy="0"/>
+          <a:chOff x="0" y="0"/>
+          <a:chExt cx="0" cy="0"/>
+        </a:xfrm>
+      </p:grpSpPr>
+      <p:sp>
+        <p:nvSpPr>
+          <p:cNvPr id="2" name="Title 1">
+            <a:extLst>
+              <a:ext uri="{FF2B5EF4-FFF2-40B4-BE49-F238E27FC236}">
                 <a16:creationId xmlns:a16="http://schemas.microsoft.com/office/drawing/2014/main" id="{9BDD422D-DD4B-476A-9DDE-56010D0DEEB5}"/>
               </a:ext>
             </a:extLst>
@@ -6480,7 +7376,7 @@
                 </a:solidFill>
                 <a:latin typeface="Comfortaa" panose="020F0403060000060003" pitchFamily="34" charset="0"/>
               </a:rPr>
-              <a:t>Tweede sprint</a:t>
+              <a:t>Volgende sprint</a:t>
             </a:r>
           </a:p>
         </p:txBody>
@@ -11316,7 +12212,7 @@
 </p:sld>
 </file>
 
-<file path=ppt/slides/slide6.xml><?xml version="1.0" encoding="utf-8"?>
+<file path=ppt/slides/slide8.xml><?xml version="1.0" encoding="utf-8"?>
 <p:sld xmlns:a="http://schemas.openxmlformats.org/drawingml/2006/main" xmlns:r="http://schemas.openxmlformats.org/officeDocument/2006/relationships" xmlns:p="http://schemas.openxmlformats.org/presentationml/2006/main">
   <p:cSld>
     <p:spTree>
@@ -11338,7 +12234,7 @@
           <p:cNvPr id="2" name="Title 1">
             <a:extLst>
               <a:ext uri="{FF2B5EF4-FFF2-40B4-BE49-F238E27FC236}">
-                <a16:creationId xmlns:a16="http://schemas.microsoft.com/office/drawing/2014/main" id="{AAD0C080-1C82-42F8-8B37-2585E9488233}"/>
+                <a16:creationId xmlns:a16="http://schemas.microsoft.com/office/drawing/2014/main" id="{244238D8-859E-49E4-A11B-302AB2A2D97F}"/>
               </a:ext>
             </a:extLst>
           </p:cNvPr>
@@ -11363,7 +12259,7 @@
                 </a:solidFill>
                 <a:latin typeface="Comfortaa" panose="020F0403060000060003" pitchFamily="34" charset="0"/>
               </a:rPr>
-              <a:t>Software</a:t>
+              <a:t>Technisch ontwerp</a:t>
             </a:r>
           </a:p>
         </p:txBody>
@@ -11373,7 +12269,7 @@
           <p:cNvPr id="3" name="Content Placeholder 2">
             <a:extLst>
               <a:ext uri="{FF2B5EF4-FFF2-40B4-BE49-F238E27FC236}">
-                <a16:creationId xmlns:a16="http://schemas.microsoft.com/office/drawing/2014/main" id="{775A5942-5E46-4105-A8B6-92992FFF53FB}"/>
+                <a16:creationId xmlns:a16="http://schemas.microsoft.com/office/drawing/2014/main" id="{0F195FCD-2AE8-4726-A3F7-EC5509936204}"/>
               </a:ext>
             </a:extLst>
           </p:cNvPr>
@@ -11386,9 +12282,7 @@
         </p:nvSpPr>
         <p:spPr/>
         <p:txBody>
-          <a:bodyPr>
-            <a:normAutofit/>
-          </a:bodyPr>
+          <a:bodyPr/>
           <a:lstStyle/>
           <a:p>
             <a:r>
@@ -11400,7 +12294,7 @@
                 </a:solidFill>
                 <a:latin typeface="Comfortaa" panose="020F0403060000060003" pitchFamily="34" charset="0"/>
               </a:rPr>
-              <a:t>Welke</a:t>
+              <a:t>Keuzes</a:t>
             </a:r>
           </a:p>
           <a:p>
@@ -11414,7 +12308,7 @@
                 </a:solidFill>
                 <a:latin typeface="Comfortaa" panose="020F0403060000060003" pitchFamily="34" charset="0"/>
               </a:rPr>
-              <a:t>Github desktop (team)</a:t>
+              <a:t>Performance</a:t>
             </a:r>
           </a:p>
           <a:p>
@@ -11428,7 +12322,7 @@
                 </a:solidFill>
                 <a:latin typeface="Comfortaa" panose="020F0403060000060003" pitchFamily="34" charset="0"/>
               </a:rPr>
-              <a:t>Visual studio 2019 (programmeren)</a:t>
+              <a:t>Simpel</a:t>
             </a:r>
           </a:p>
           <a:p>
@@ -11442,131 +12336,7 @@
                 </a:solidFill>
                 <a:latin typeface="Comfortaa" panose="020F0403060000060003" pitchFamily="34" charset="0"/>
               </a:rPr>
-              <a:t>Unity (project omgeving)</a:t>
-            </a:r>
-          </a:p>
-          <a:p>
-            <a:pPr lvl="1"/>
-            <a:r>
-              <a:rPr lang="nl-NL" dirty="0">
-                <a:solidFill>
-                  <a:schemeClr val="bg1">
-                    <a:lumMod val="75000"/>
-                  </a:schemeClr>
-                </a:solidFill>
-                <a:latin typeface="Comfortaa" panose="020F0403060000060003" pitchFamily="34" charset="0"/>
-              </a:rPr>
-              <a:t>Unity hub (Unity versie controle)</a:t>
-            </a:r>
-          </a:p>
-          <a:p>
-            <a:r>
-              <a:rPr lang="nl-NL" dirty="0" err="1">
-                <a:solidFill>
-                  <a:schemeClr val="bg1">
-                    <a:lumMod val="75000"/>
-                  </a:schemeClr>
-                </a:solidFill>
-                <a:latin typeface="Comfortaa" panose="020F0403060000060003" pitchFamily="34" charset="0"/>
-              </a:rPr>
-              <a:t>Misc</a:t>
-            </a:r>
-            <a:endParaRPr lang="nl-NL" dirty="0">
-              <a:solidFill>
-                <a:schemeClr val="bg1">
-                  <a:lumMod val="75000"/>
-                </a:schemeClr>
-              </a:solidFill>
-              <a:latin typeface="Comfortaa" panose="020F0403060000060003" pitchFamily="34" charset="0"/>
-            </a:endParaRPr>
-          </a:p>
-          <a:p>
-            <a:pPr lvl="1"/>
-            <a:r>
-              <a:rPr lang="nl-NL" dirty="0" err="1">
-                <a:solidFill>
-                  <a:schemeClr val="bg1">
-                    <a:lumMod val="75000"/>
-                  </a:schemeClr>
-                </a:solidFill>
-                <a:latin typeface="Comfortaa" panose="020F0403060000060003" pitchFamily="34" charset="0"/>
-              </a:rPr>
-              <a:t>Trello</a:t>
-            </a:r>
-            <a:r>
-              <a:rPr lang="nl-NL" dirty="0">
-                <a:solidFill>
-                  <a:schemeClr val="bg1">
-                    <a:lumMod val="75000"/>
-                  </a:schemeClr>
-                </a:solidFill>
-                <a:latin typeface="Comfortaa" panose="020F0403060000060003" pitchFamily="34" charset="0"/>
-              </a:rPr>
-              <a:t> (planning)</a:t>
-            </a:r>
-          </a:p>
-          <a:p>
-            <a:pPr lvl="1"/>
-            <a:r>
-              <a:rPr lang="nl-NL" dirty="0">
-                <a:solidFill>
-                  <a:schemeClr val="bg1">
-                    <a:lumMod val="75000"/>
-                  </a:schemeClr>
-                </a:solidFill>
-                <a:latin typeface="Comfortaa" panose="020F0403060000060003" pitchFamily="34" charset="0"/>
-              </a:rPr>
-              <a:t>Google </a:t>
-            </a:r>
-            <a:r>
-              <a:rPr lang="nl-NL" dirty="0" err="1">
-                <a:solidFill>
-                  <a:schemeClr val="bg1">
-                    <a:lumMod val="75000"/>
-                  </a:schemeClr>
-                </a:solidFill>
-                <a:latin typeface="Comfortaa" panose="020F0403060000060003" pitchFamily="34" charset="0"/>
-              </a:rPr>
-              <a:t>docs</a:t>
-            </a:r>
-            <a:r>
-              <a:rPr lang="nl-NL" dirty="0">
-                <a:solidFill>
-                  <a:schemeClr val="bg1">
-                    <a:lumMod val="75000"/>
-                  </a:schemeClr>
-                </a:solidFill>
-                <a:latin typeface="Comfortaa" panose="020F0403060000060003" pitchFamily="34" charset="0"/>
-              </a:rPr>
-              <a:t> (documentatie)</a:t>
-            </a:r>
-          </a:p>
-          <a:p>
-            <a:pPr lvl="1"/>
-            <a:r>
-              <a:rPr lang="nl-NL" dirty="0">
-                <a:solidFill>
-                  <a:schemeClr val="bg1">
-                    <a:lumMod val="75000"/>
-                  </a:schemeClr>
-                </a:solidFill>
-                <a:latin typeface="Comfortaa" panose="020F0403060000060003" pitchFamily="34" charset="0"/>
-              </a:rPr>
-              <a:t>Nclass (UML)</a:t>
-            </a:r>
-          </a:p>
-          <a:p>
-            <a:pPr lvl="1"/>
-            <a:r>
-              <a:rPr lang="nl-NL" dirty="0">
-                <a:solidFill>
-                  <a:schemeClr val="bg1">
-                    <a:lumMod val="75000"/>
-                  </a:schemeClr>
-                </a:solidFill>
-                <a:latin typeface="Comfortaa" panose="020F0403060000060003" pitchFamily="34" charset="0"/>
-              </a:rPr>
-              <a:t>Discord (communicatie)</a:t>
+              <a:t>Controle</a:t>
             </a:r>
           </a:p>
           <a:p>
@@ -11592,10 +12362,40 @@
           </a:p>
         </p:txBody>
       </p:sp>
+      <p:pic>
+        <p:nvPicPr>
+          <p:cNvPr id="4" name="Picture 3">
+            <a:extLst>
+              <a:ext uri="{FF2B5EF4-FFF2-40B4-BE49-F238E27FC236}">
+                <a16:creationId xmlns:a16="http://schemas.microsoft.com/office/drawing/2014/main" id="{E57262C9-C772-45EE-AA62-CECE83DF6699}"/>
+              </a:ext>
+            </a:extLst>
+          </p:cNvPr>
+          <p:cNvPicPr>
+            <a:picLocks noChangeAspect="1"/>
+          </p:cNvPicPr>
+          <p:nvPr/>
+        </p:nvPicPr>
+        <p:blipFill>
+          <a:blip r:embed="rId2"/>
+          <a:stretch>
+            <a:fillRect/>
+          </a:stretch>
+        </p:blipFill>
+        <p:spPr>
+          <a:xfrm>
+            <a:off x="6464945" y="1027906"/>
+            <a:ext cx="4888855" cy="4282751"/>
+          </a:xfrm>
+          <a:prstGeom prst="rect">
+            <a:avLst/>
+          </a:prstGeom>
+        </p:spPr>
+      </p:pic>
     </p:spTree>
     <p:extLst>
       <p:ext uri="{BB962C8B-B14F-4D97-AF65-F5344CB8AC3E}">
-        <p14:creationId xmlns:p14="http://schemas.microsoft.com/office/powerpoint/2010/main" val="2246388035"/>
+        <p14:creationId xmlns:p14="http://schemas.microsoft.com/office/powerpoint/2010/main" val="3098088132"/>
       </p:ext>
     </p:extLst>
   </p:cSld>
@@ -11605,7 +12405,7 @@
 </p:sld>
 </file>
 
-<file path=ppt/slides/slide7.xml><?xml version="1.0" encoding="utf-8"?>
+<file path=ppt/slides/slide9.xml><?xml version="1.0" encoding="utf-8"?>
 <p:sld xmlns:a="http://schemas.openxmlformats.org/drawingml/2006/main" xmlns:r="http://schemas.openxmlformats.org/officeDocument/2006/relationships" xmlns:p="http://schemas.openxmlformats.org/presentationml/2006/main">
   <p:cSld>
     <p:spTree>
@@ -11627,7 +12427,7 @@
           <p:cNvPr id="2" name="Title 1">
             <a:extLst>
               <a:ext uri="{FF2B5EF4-FFF2-40B4-BE49-F238E27FC236}">
-                <a16:creationId xmlns:a16="http://schemas.microsoft.com/office/drawing/2014/main" id="{56BEB2A4-2A23-4282-93DF-3320FC40391D}"/>
+                <a16:creationId xmlns:a16="http://schemas.microsoft.com/office/drawing/2014/main" id="{244238D8-859E-49E4-A11B-302AB2A2D97F}"/>
               </a:ext>
             </a:extLst>
           </p:cNvPr>
@@ -11652,7 +12452,7 @@
                 </a:solidFill>
                 <a:latin typeface="Comfortaa" panose="020F0403060000060003" pitchFamily="34" charset="0"/>
               </a:rPr>
-              <a:t>Software</a:t>
+              <a:t>Technisch ontwerp</a:t>
             </a:r>
           </a:p>
         </p:txBody>
@@ -11662,7 +12462,7 @@
           <p:cNvPr id="3" name="Content Placeholder 2">
             <a:extLst>
               <a:ext uri="{FF2B5EF4-FFF2-40B4-BE49-F238E27FC236}">
-                <a16:creationId xmlns:a16="http://schemas.microsoft.com/office/drawing/2014/main" id="{58CD32C7-C67D-404D-ACFA-81E8E1391D52}"/>
+                <a16:creationId xmlns:a16="http://schemas.microsoft.com/office/drawing/2014/main" id="{0F195FCD-2AE8-4726-A3F7-EC5509936204}"/>
               </a:ext>
             </a:extLst>
           </p:cNvPr>
@@ -11675,9 +12475,7 @@
         </p:nvSpPr>
         <p:spPr/>
         <p:txBody>
-          <a:bodyPr>
-            <a:normAutofit lnSpcReduction="10000"/>
-          </a:bodyPr>
+          <a:bodyPr/>
           <a:lstStyle/>
           <a:p>
             <a:r>
@@ -11689,98 +12487,13 @@
                 </a:solidFill>
                 <a:latin typeface="Comfortaa" panose="020F0403060000060003" pitchFamily="34" charset="0"/>
               </a:rPr>
-              <a:t>Inrichting</a:t>
-            </a:r>
-          </a:p>
-          <a:p>
-            <a:pPr lvl="1"/>
-            <a:r>
-              <a:rPr lang="nl-NL" dirty="0">
-                <a:solidFill>
-                  <a:schemeClr val="bg1">
-                    <a:lumMod val="75000"/>
-                  </a:schemeClr>
-                </a:solidFill>
-                <a:latin typeface="Comfortaa" panose="020F0403060000060003" pitchFamily="34" charset="0"/>
-              </a:rPr>
-              <a:t>Github repository (github site)</a:t>
-            </a:r>
-          </a:p>
-          <a:p>
-            <a:pPr lvl="2"/>
-            <a:r>
-              <a:rPr lang="nl-NL" dirty="0">
-                <a:solidFill>
-                  <a:schemeClr val="bg1">
-                    <a:lumMod val="75000"/>
-                  </a:schemeClr>
-                </a:solidFill>
-                <a:latin typeface="Comfortaa" panose="020F0403060000060003" pitchFamily="34" charset="0"/>
-              </a:rPr>
-              <a:t>Maak repository</a:t>
-            </a:r>
-          </a:p>
-          <a:p>
-            <a:pPr lvl="1"/>
-            <a:r>
-              <a:rPr lang="nl-NL" dirty="0">
-                <a:solidFill>
-                  <a:schemeClr val="bg1">
-                    <a:lumMod val="75000"/>
-                  </a:schemeClr>
-                </a:solidFill>
-                <a:latin typeface="Comfortaa" panose="020F0403060000060003" pitchFamily="34" charset="0"/>
-              </a:rPr>
-              <a:t>Github desktop</a:t>
-            </a:r>
-          </a:p>
-          <a:p>
-            <a:pPr lvl="2"/>
-            <a:r>
-              <a:rPr lang="nl-NL" dirty="0">
-                <a:solidFill>
-                  <a:schemeClr val="bg1">
-                    <a:lumMod val="75000"/>
-                  </a:schemeClr>
-                </a:solidFill>
-                <a:latin typeface="Comfortaa" panose="020F0403060000060003" pitchFamily="34" charset="0"/>
-              </a:rPr>
-              <a:t>Nieuwste versie</a:t>
-            </a:r>
-          </a:p>
-          <a:p>
-            <a:pPr lvl="1"/>
-            <a:r>
-              <a:rPr lang="nl-NL" dirty="0">
-                <a:solidFill>
-                  <a:schemeClr val="bg1">
-                    <a:lumMod val="75000"/>
-                  </a:schemeClr>
-                </a:solidFill>
-                <a:latin typeface="Comfortaa" panose="020F0403060000060003" pitchFamily="34" charset="0"/>
-              </a:rPr>
-              <a:t>Visual studio 2019</a:t>
-            </a:r>
-          </a:p>
-          <a:p>
-            <a:pPr lvl="2"/>
-            <a:r>
-              <a:rPr lang="nl-NL" dirty="0">
-                <a:solidFill>
-                  <a:schemeClr val="bg1">
-                    <a:lumMod val="75000"/>
-                  </a:schemeClr>
-                </a:solidFill>
-                <a:hlinkClick r:id="rId2">
-                  <a:extLst>
-                    <a:ext uri="{A12FA001-AC4F-418D-AE19-62706E023703}">
-                      <ahyp:hlinkClr xmlns:ahyp="http://schemas.microsoft.com/office/drawing/2018/hyperlinkcolor" val="tx"/>
-                    </a:ext>
-                  </a:extLst>
-                </a:hlinkClick>
-              </a:rPr>
-              <a:t>https://visualstudio.microsoft.com/vs/</a:t>
-            </a:r>
+              <a:t>GDD</a:t>
+            </a:r>
+          </a:p>
+          <a:p>
+            <a:pPr marL="0" indent="0">
+              <a:buNone/>
+            </a:pPr>
             <a:endParaRPr lang="nl-NL" dirty="0">
               <a:solidFill>
                 <a:schemeClr val="bg1">
@@ -11790,134 +12503,32 @@
               <a:latin typeface="Comfortaa" panose="020F0403060000060003" pitchFamily="34" charset="0"/>
             </a:endParaRPr>
           </a:p>
-          <a:p>
-            <a:pPr lvl="1"/>
-            <a:r>
-              <a:rPr lang="nl-NL" dirty="0">
-                <a:solidFill>
-                  <a:schemeClr val="bg1">
-                    <a:lumMod val="75000"/>
-                  </a:schemeClr>
-                </a:solidFill>
-                <a:latin typeface="Comfortaa" panose="020F0403060000060003" pitchFamily="34" charset="0"/>
-              </a:rPr>
-              <a:t>Unity Hub</a:t>
-            </a:r>
-          </a:p>
-          <a:p>
-            <a:pPr lvl="2"/>
-            <a:r>
-              <a:rPr lang="nl-NL" dirty="0">
-                <a:solidFill>
-                  <a:schemeClr val="bg1">
-                    <a:lumMod val="75000"/>
-                  </a:schemeClr>
-                </a:solidFill>
-                <a:hlinkClick r:id="rId3">
-                  <a:extLst>
-                    <a:ext uri="{A12FA001-AC4F-418D-AE19-62706E023703}">
-                      <ahyp:hlinkClr xmlns:ahyp="http://schemas.microsoft.com/office/drawing/2018/hyperlinkcolor" val="tx"/>
-                    </a:ext>
-                  </a:extLst>
-                </a:hlinkClick>
-              </a:rPr>
-              <a:t>https://unity3d.com/get-unity/download</a:t>
-            </a:r>
-            <a:endParaRPr lang="nl-NL" dirty="0">
-              <a:solidFill>
-                <a:schemeClr val="bg1">
-                  <a:lumMod val="75000"/>
-                </a:schemeClr>
-              </a:solidFill>
-              <a:latin typeface="Comfortaa" panose="020F0403060000060003" pitchFamily="34" charset="0"/>
-            </a:endParaRPr>
-          </a:p>
-          <a:p>
-            <a:pPr lvl="1"/>
-            <a:r>
-              <a:rPr lang="nl-NL" dirty="0">
-                <a:solidFill>
-                  <a:schemeClr val="bg1">
-                    <a:lumMod val="75000"/>
-                  </a:schemeClr>
-                </a:solidFill>
-                <a:latin typeface="Comfortaa" panose="020F0403060000060003" pitchFamily="34" charset="0"/>
-              </a:rPr>
-              <a:t>Unity </a:t>
-            </a:r>
-          </a:p>
-          <a:p>
-            <a:pPr lvl="2"/>
-            <a:r>
-              <a:rPr lang="nl-NL" dirty="0">
-                <a:solidFill>
-                  <a:schemeClr val="bg1">
-                    <a:lumMod val="75000"/>
-                  </a:schemeClr>
-                </a:solidFill>
-                <a:latin typeface="Comfortaa" panose="020F0403060000060003" pitchFamily="34" charset="0"/>
-              </a:rPr>
-              <a:t>Via Unity Hub</a:t>
-            </a:r>
-          </a:p>
-          <a:p>
-            <a:pPr lvl="2"/>
-            <a:r>
-              <a:rPr lang="nl-NL" dirty="0">
-                <a:solidFill>
-                  <a:schemeClr val="bg1">
-                    <a:lumMod val="75000"/>
-                  </a:schemeClr>
-                </a:solidFill>
-                <a:latin typeface="Comfortaa" panose="020F0403060000060003" pitchFamily="34" charset="0"/>
-              </a:rPr>
-              <a:t>Versie 2019.2.19f1</a:t>
-            </a:r>
-          </a:p>
         </p:txBody>
       </p:sp>
       <p:pic>
         <p:nvPicPr>
-          <p:cNvPr id="4" name="Afbeelding 3"/>
+          <p:cNvPr id="4" name="Picture 3">
+            <a:extLst>
+              <a:ext uri="{FF2B5EF4-FFF2-40B4-BE49-F238E27FC236}">
+                <a16:creationId xmlns:a16="http://schemas.microsoft.com/office/drawing/2014/main" id="{7344A2F2-B9D0-4339-8504-4208F0A9EAB9}"/>
+              </a:ext>
+            </a:extLst>
+          </p:cNvPr>
           <p:cNvPicPr>
             <a:picLocks noChangeAspect="1"/>
           </p:cNvPicPr>
           <p:nvPr/>
         </p:nvPicPr>
         <p:blipFill>
-          <a:blip r:embed="rId4"/>
+          <a:blip r:embed="rId2"/>
           <a:stretch>
             <a:fillRect/>
           </a:stretch>
         </p:blipFill>
         <p:spPr>
           <a:xfrm>
-            <a:off x="6879870" y="713473"/>
-            <a:ext cx="4473930" cy="2540473"/>
-          </a:xfrm>
-          <a:prstGeom prst="rect">
-            <a:avLst/>
-          </a:prstGeom>
-        </p:spPr>
-      </p:pic>
-      <p:pic>
-        <p:nvPicPr>
-          <p:cNvPr id="5" name="Afbeelding 4"/>
-          <p:cNvPicPr>
-            <a:picLocks noChangeAspect="1"/>
-          </p:cNvPicPr>
-          <p:nvPr/>
-        </p:nvPicPr>
-        <p:blipFill>
-          <a:blip r:embed="rId5"/>
-          <a:stretch>
-            <a:fillRect/>
-          </a:stretch>
-        </p:blipFill>
-        <p:spPr>
-          <a:xfrm>
-            <a:off x="6879870" y="3625436"/>
-            <a:ext cx="4473930" cy="2506390"/>
+            <a:off x="838199" y="2432807"/>
+            <a:ext cx="5268868" cy="3755335"/>
           </a:xfrm>
           <a:prstGeom prst="rect">
             <a:avLst/>
@@ -11927,7 +12538,7 @@
     </p:spTree>
     <p:extLst>
       <p:ext uri="{BB962C8B-B14F-4D97-AF65-F5344CB8AC3E}">
-        <p14:creationId xmlns:p14="http://schemas.microsoft.com/office/powerpoint/2010/main" val="1401723453"/>
+        <p14:creationId xmlns:p14="http://schemas.microsoft.com/office/powerpoint/2010/main" val="1491073349"/>
       </p:ext>
     </p:extLst>
   </p:cSld>
